--- a/Security.pptx
+++ b/Security.pptx
@@ -8,20 +8,21 @@
     <p:sldMasterId id="2147483696" r:id="rId7"/>
   </p:sldMasterIdLst>
   <p:notesMasterIdLst>
-    <p:notesMasterId r:id="rId19"/>
+    <p:notesMasterId r:id="rId20"/>
   </p:notesMasterIdLst>
   <p:sldIdLst>
     <p:sldId id="270" r:id="rId8"/>
     <p:sldId id="397" r:id="rId9"/>
     <p:sldId id="405" r:id="rId10"/>
-    <p:sldId id="398" r:id="rId11"/>
-    <p:sldId id="399" r:id="rId12"/>
-    <p:sldId id="400" r:id="rId13"/>
-    <p:sldId id="401" r:id="rId14"/>
-    <p:sldId id="402" r:id="rId15"/>
-    <p:sldId id="403" r:id="rId16"/>
-    <p:sldId id="404" r:id="rId17"/>
-    <p:sldId id="392" r:id="rId18"/>
+    <p:sldId id="406" r:id="rId11"/>
+    <p:sldId id="398" r:id="rId12"/>
+    <p:sldId id="399" r:id="rId13"/>
+    <p:sldId id="400" r:id="rId14"/>
+    <p:sldId id="401" r:id="rId15"/>
+    <p:sldId id="402" r:id="rId16"/>
+    <p:sldId id="403" r:id="rId17"/>
+    <p:sldId id="404" r:id="rId18"/>
+    <p:sldId id="392" r:id="rId19"/>
   </p:sldIdLst>
   <p:sldSz cx="9144000" cy="6858000" type="screen4x3"/>
   <p:notesSz cx="6858000" cy="9144000"/>
@@ -236,7 +237,7 @@
             <a:fld id="{AD8FF277-481A-411F-8EF8-984A2498EDC4}" type="datetimeFigureOut">
               <a:rPr lang="sv-SE" smtClean="0"/>
               <a:pPr/>
-              <a:t>2015-10-02</a:t>
+              <a:t>2015-10-04</a:t>
             </a:fld>
             <a:endParaRPr lang="sv-SE"/>
           </a:p>
@@ -668,7 +669,7 @@
             <a:fld id="{F8AD072C-5073-498C-8E9E-36A86830B18D}" type="slidenum">
               <a:rPr lang="sv-SE" smtClean="0"/>
               <a:pPr/>
-              <a:t>11</a:t>
+              <a:t>12</a:t>
             </a:fld>
             <a:endParaRPr lang="sv-SE"/>
           </a:p>
@@ -897,7 +898,7 @@
             <a:fld id="{64ADC583-B1B3-4826-A6C2-8C255717A714}" type="datetimeFigureOut">
               <a:rPr lang="en-US" smtClean="0"/>
               <a:pPr/>
-              <a:t>10/2/2015</a:t>
+              <a:t>10/4/2015</a:t>
             </a:fld>
             <a:endParaRPr lang="en-US"/>
           </a:p>
@@ -1081,7 +1082,7 @@
             <a:fld id="{64ADC583-B1B3-4826-A6C2-8C255717A714}" type="datetimeFigureOut">
               <a:rPr lang="en-US" smtClean="0"/>
               <a:pPr/>
-              <a:t>10/2/2015</a:t>
+              <a:t>10/4/2015</a:t>
             </a:fld>
             <a:endParaRPr lang="en-US"/>
           </a:p>
@@ -1259,7 +1260,7 @@
             <a:fld id="{64ADC583-B1B3-4826-A6C2-8C255717A714}" type="datetimeFigureOut">
               <a:rPr lang="en-US" smtClean="0"/>
               <a:pPr/>
-              <a:t>10/2/2015</a:t>
+              <a:t>10/4/2015</a:t>
             </a:fld>
             <a:endParaRPr lang="en-US"/>
           </a:p>
@@ -3339,7 +3340,7 @@
             <a:fld id="{64ADC583-B1B3-4826-A6C2-8C255717A714}" type="datetimeFigureOut">
               <a:rPr lang="en-US" smtClean="0"/>
               <a:pPr/>
-              <a:t>10/2/2015</a:t>
+              <a:t>10/4/2015</a:t>
             </a:fld>
             <a:endParaRPr lang="en-US"/>
           </a:p>
@@ -5807,7 +5808,7 @@
             <a:fld id="{64ADC583-B1B3-4826-A6C2-8C255717A714}" type="datetimeFigureOut">
               <a:rPr lang="en-US" smtClean="0"/>
               <a:pPr/>
-              <a:t>10/2/2015</a:t>
+              <a:t>10/4/2015</a:t>
             </a:fld>
             <a:endParaRPr lang="en-US"/>
           </a:p>
@@ -8519,7 +8520,7 @@
             <a:fld id="{64ADC583-B1B3-4826-A6C2-8C255717A714}" type="datetimeFigureOut">
               <a:rPr lang="en-US" smtClean="0"/>
               <a:pPr/>
-              <a:t>10/2/2015</a:t>
+              <a:t>10/4/2015</a:t>
             </a:fld>
             <a:endParaRPr lang="en-US"/>
           </a:p>
@@ -9927,7 +9928,7 @@
             <a:fld id="{64ADC583-B1B3-4826-A6C2-8C255717A714}" type="datetimeFigureOut">
               <a:rPr lang="en-US" smtClean="0"/>
               <a:pPr/>
-              <a:t>10/2/2015</a:t>
+              <a:t>10/4/2015</a:t>
             </a:fld>
             <a:endParaRPr lang="en-US"/>
           </a:p>
@@ -10043,7 +10044,7 @@
             <a:fld id="{64ADC583-B1B3-4826-A6C2-8C255717A714}" type="datetimeFigureOut">
               <a:rPr lang="en-US" smtClean="0"/>
               <a:pPr/>
-              <a:t>10/2/2015</a:t>
+              <a:t>10/4/2015</a:t>
             </a:fld>
             <a:endParaRPr lang="en-US"/>
           </a:p>
@@ -10136,7 +10137,7 @@
             <a:fld id="{64ADC583-B1B3-4826-A6C2-8C255717A714}" type="datetimeFigureOut">
               <a:rPr lang="en-US" smtClean="0"/>
               <a:pPr/>
-              <a:t>10/2/2015</a:t>
+              <a:t>10/4/2015</a:t>
             </a:fld>
             <a:endParaRPr lang="en-US"/>
           </a:p>
@@ -10415,7 +10416,7 @@
             <a:fld id="{64ADC583-B1B3-4826-A6C2-8C255717A714}" type="datetimeFigureOut">
               <a:rPr lang="en-US" smtClean="0"/>
               <a:pPr/>
-              <a:t>10/2/2015</a:t>
+              <a:t>10/4/2015</a:t>
             </a:fld>
             <a:endParaRPr lang="en-US"/>
           </a:p>
@@ -10670,7 +10671,7 @@
             <a:fld id="{64ADC583-B1B3-4826-A6C2-8C255717A714}" type="datetimeFigureOut">
               <a:rPr lang="en-US" smtClean="0"/>
               <a:pPr/>
-              <a:t>10/2/2015</a:t>
+              <a:t>10/4/2015</a:t>
             </a:fld>
             <a:endParaRPr lang="en-US"/>
           </a:p>
@@ -10928,7 +10929,7 @@
             <a:fld id="{64ADC583-B1B3-4826-A6C2-8C255717A714}" type="datetimeFigureOut">
               <a:rPr lang="en-US" smtClean="0"/>
               <a:pPr/>
-              <a:t>10/2/2015</a:t>
+              <a:t>10/4/2015</a:t>
             </a:fld>
             <a:endParaRPr lang="en-US"/>
           </a:p>
@@ -12958,6 +12959,126 @@
           <a:p>
             <a:r>
               <a:rPr lang="en-US" dirty="0" smtClean="0"/>
+              <a:t>Get Access Token</a:t>
+            </a:r>
+            <a:endParaRPr lang="sv-SE" dirty="0"/>
+          </a:p>
+        </p:txBody>
+      </p:sp>
+      <p:sp>
+        <p:nvSpPr>
+          <p:cNvPr id="3" name="Content Placeholder 2"/>
+          <p:cNvSpPr>
+            <a:spLocks noGrp="1"/>
+          </p:cNvSpPr>
+          <p:nvPr>
+            <p:ph idx="1"/>
+          </p:nvPr>
+        </p:nvSpPr>
+        <p:spPr/>
+        <p:txBody>
+          <a:bodyPr/>
+          <a:lstStyle/>
+          <a:p>
+            <a:pPr marL="342900" lvl="1" indent="-342900">
+              <a:buFont typeface="Arial" pitchFamily="34" charset="0"/>
+              <a:buChar char="•"/>
+            </a:pPr>
+            <a:r>
+              <a:rPr lang="en-US" dirty="0"/>
+              <a:t>Postman POST /token</a:t>
+            </a:r>
+            <a:r>
+              <a:rPr lang="en-US" dirty="0" smtClean="0"/>
+              <a:t>, (jwt.io??) </a:t>
+            </a:r>
+          </a:p>
+          <a:p>
+            <a:pPr marL="342900" lvl="1" indent="-342900">
+              <a:buFont typeface="Arial" pitchFamily="34" charset="0"/>
+              <a:buChar char="•"/>
+            </a:pPr>
+            <a:r>
+              <a:rPr lang="en-US" dirty="0" smtClean="0"/>
+              <a:t>Bearer header</a:t>
+            </a:r>
+          </a:p>
+          <a:p>
+            <a:pPr marL="342900" lvl="1" indent="-342900">
+              <a:buFont typeface="Arial" pitchFamily="34" charset="0"/>
+              <a:buChar char="•"/>
+            </a:pPr>
+            <a:r>
+              <a:rPr lang="en-US" dirty="0" smtClean="0"/>
+              <a:t>GET /values, </a:t>
+            </a:r>
+            <a:r>
+              <a:rPr lang="en-US" dirty="0"/>
+              <a:t>200 </a:t>
+            </a:r>
+            <a:r>
+              <a:rPr lang="en-US" dirty="0" smtClean="0"/>
+              <a:t>OK</a:t>
+            </a:r>
+            <a:endParaRPr lang="sv-SE" dirty="0"/>
+          </a:p>
+        </p:txBody>
+      </p:sp>
+    </p:spTree>
+    <p:extLst>
+      <p:ext uri="{BB962C8B-B14F-4D97-AF65-F5344CB8AC3E}">
+        <p14:creationId xmlns:p14="http://schemas.microsoft.com/office/powerpoint/2010/main" val="3193348686"/>
+      </p:ext>
+    </p:extLst>
+  </p:cSld>
+  <p:clrMapOvr>
+    <a:masterClrMapping/>
+  </p:clrMapOvr>
+  <p:transition/>
+  <p:timing>
+    <p:tnLst>
+      <p:par>
+        <p:cTn id="1" dur="indefinite" restart="never" nodeType="tmRoot"/>
+      </p:par>
+    </p:tnLst>
+  </p:timing>
+</p:sld>
+</file>
+
+<file path=ppt/slides/slide11.xml><?xml version="1.0" encoding="utf-8"?>
+<p:sld xmlns:a="http://schemas.openxmlformats.org/drawingml/2006/main" xmlns:r="http://schemas.openxmlformats.org/officeDocument/2006/relationships" xmlns:p="http://schemas.openxmlformats.org/presentationml/2006/main">
+  <p:cSld>
+    <p:spTree>
+      <p:nvGrpSpPr>
+        <p:cNvPr id="1" name=""/>
+        <p:cNvGrpSpPr/>
+        <p:nvPr/>
+      </p:nvGrpSpPr>
+      <p:grpSpPr>
+        <a:xfrm>
+          <a:off x="0" y="0"/>
+          <a:ext cx="0" cy="0"/>
+          <a:chOff x="0" y="0"/>
+          <a:chExt cx="0" cy="0"/>
+        </a:xfrm>
+      </p:grpSpPr>
+      <p:sp>
+        <p:nvSpPr>
+          <p:cNvPr id="2" name="Title 1"/>
+          <p:cNvSpPr>
+            <a:spLocks noGrp="1"/>
+          </p:cNvSpPr>
+          <p:nvPr>
+            <p:ph type="title"/>
+          </p:nvPr>
+        </p:nvSpPr>
+        <p:spPr/>
+        <p:txBody>
+          <a:bodyPr/>
+          <a:lstStyle/>
+          <a:p>
+            <a:r>
+              <a:rPr lang="en-US" dirty="0" smtClean="0"/>
               <a:t>Authorization</a:t>
             </a:r>
             <a:endParaRPr lang="sv-SE" dirty="0"/>
@@ -13016,7 +13137,7 @@
 </p:sld>
 </file>
 
-<file path=ppt/slides/slide11.xml><?xml version="1.0" encoding="utf-8"?>
+<file path=ppt/slides/slide12.xml><?xml version="1.0" encoding="utf-8"?>
 <p:sld xmlns:a="http://schemas.openxmlformats.org/drawingml/2006/main" xmlns:r="http://schemas.openxmlformats.org/officeDocument/2006/relationships" xmlns:p="http://schemas.openxmlformats.org/presentationml/2006/main">
   <p:cSld>
     <p:spTree>
@@ -13168,18 +13289,49 @@
             </a:r>
             <a:r>
               <a:rPr lang="en-US" dirty="0"/>
-              <a:t>based using token. </a:t>
-            </a:r>
-            <a:endParaRPr lang="en-US" dirty="0" smtClean="0"/>
-          </a:p>
-          <a:p>
-            <a:r>
-              <a:rPr lang="en-US" dirty="0" smtClean="0"/>
+              <a:t>based using </a:t>
+            </a:r>
+            <a:r>
+              <a:rPr lang="en-US"/>
+              <a:t>token</a:t>
+            </a:r>
+            <a:r>
+              <a:rPr lang="en-US" smtClean="0"/>
+              <a:t>.</a:t>
+            </a:r>
+          </a:p>
+          <a:p>
+            <a:r>
+              <a:rPr lang="en-US" smtClean="0"/>
+              <a:t>Claims vs Roles??</a:t>
+            </a:r>
+            <a:endParaRPr lang="en-US" smtClean="0"/>
+          </a:p>
+          <a:p>
+            <a:r>
+              <a:rPr lang="en-US" smtClean="0"/>
+              <a:t>Defines four basic flows for authorization delegation.</a:t>
+            </a:r>
+          </a:p>
+          <a:p>
+            <a:r>
+              <a:rPr lang="en-US"/>
               <a:t>Active </a:t>
             </a:r>
             <a:r>
-              <a:rPr lang="en-US" dirty="0"/>
-              <a:t>vs Passive.</a:t>
+              <a:rPr lang="en-US"/>
+              <a:t>vs </a:t>
+            </a:r>
+            <a:r>
+              <a:rPr lang="en-US" smtClean="0"/>
+              <a:t>Passive (redirects or not)</a:t>
+            </a:r>
+            <a:endParaRPr lang="en-US"/>
+          </a:p>
+          <a:p>
+            <a:r>
+              <a:rPr lang="en-US" smtClean="0"/>
+              <a:t>Confidential vs non-Confidential (can the client be trusted with the users credentials?).</a:t>
             </a:r>
             <a:endParaRPr lang="sv-SE" dirty="0"/>
           </a:p>
@@ -13331,6 +13483,88 @@
           <a:lstStyle/>
           <a:p>
             <a:r>
+              <a:rPr lang="en-GB"/>
+              <a:t>Authorization Code Grant</a:t>
+            </a:r>
+          </a:p>
+        </p:txBody>
+      </p:sp>
+      <p:pic>
+        <p:nvPicPr>
+          <p:cNvPr id="4" name="Content Placeholder 3"/>
+          <p:cNvPicPr>
+            <a:picLocks noGrp="1" noChangeAspect="1"/>
+          </p:cNvPicPr>
+          <p:nvPr>
+            <p:ph idx="1"/>
+          </p:nvPr>
+        </p:nvPicPr>
+        <p:blipFill>
+          <a:blip r:embed="rId2">
+            <a:extLst>
+              <a:ext uri="{28A0092B-C50C-407E-A947-70E740481C1C}">
+                <a14:useLocalDpi xmlns:a14="http://schemas.microsoft.com/office/drawing/2010/main" val="0"/>
+              </a:ext>
+            </a:extLst>
+          </a:blip>
+          <a:stretch>
+            <a:fillRect/>
+          </a:stretch>
+        </p:blipFill>
+        <p:spPr>
+          <a:xfrm>
+            <a:off x="2161838" y="1815020"/>
+            <a:ext cx="4820323" cy="4096322"/>
+          </a:xfrm>
+        </p:spPr>
+      </p:pic>
+    </p:spTree>
+    <p:extLst>
+      <p:ext uri="{BB962C8B-B14F-4D97-AF65-F5344CB8AC3E}">
+        <p14:creationId xmlns:p14="http://schemas.microsoft.com/office/powerpoint/2010/main" val="4151587304"/>
+      </p:ext>
+    </p:extLst>
+  </p:cSld>
+  <p:clrMapOvr>
+    <a:masterClrMapping/>
+  </p:clrMapOvr>
+  <p:transition/>
+</p:sld>
+</file>
+
+<file path=ppt/slides/slide5.xml><?xml version="1.0" encoding="utf-8"?>
+<p:sld xmlns:a="http://schemas.openxmlformats.org/drawingml/2006/main" xmlns:r="http://schemas.openxmlformats.org/officeDocument/2006/relationships" xmlns:p="http://schemas.openxmlformats.org/presentationml/2006/main">
+  <p:cSld>
+    <p:spTree>
+      <p:nvGrpSpPr>
+        <p:cNvPr id="1" name=""/>
+        <p:cNvGrpSpPr/>
+        <p:nvPr/>
+      </p:nvGrpSpPr>
+      <p:grpSpPr>
+        <a:xfrm>
+          <a:off x="0" y="0"/>
+          <a:ext cx="0" cy="0"/>
+          <a:chOff x="0" y="0"/>
+          <a:chExt cx="0" cy="0"/>
+        </a:xfrm>
+      </p:grpSpPr>
+      <p:sp>
+        <p:nvSpPr>
+          <p:cNvPr id="2" name="Title 1"/>
+          <p:cNvSpPr>
+            <a:spLocks noGrp="1"/>
+          </p:cNvSpPr>
+          <p:nvPr>
+            <p:ph type="title"/>
+          </p:nvPr>
+        </p:nvSpPr>
+        <p:spPr/>
+        <p:txBody>
+          <a:bodyPr/>
+          <a:lstStyle/>
+          <a:p>
+            <a:r>
               <a:rPr lang="en-US" dirty="0" smtClean="0"/>
               <a:t>Secure the Resource Server</a:t>
             </a:r>
@@ -13401,7 +13635,7 @@
 </p:sld>
 </file>
 
-<file path=ppt/slides/slide5.xml><?xml version="1.0" encoding="utf-8"?>
+<file path=ppt/slides/slide6.xml><?xml version="1.0" encoding="utf-8"?>
 <p:sld xmlns:a="http://schemas.openxmlformats.org/drawingml/2006/main" xmlns:r="http://schemas.openxmlformats.org/officeDocument/2006/relationships" xmlns:p="http://schemas.openxmlformats.org/presentationml/2006/main">
   <p:cSld>
     <p:spTree>
@@ -13552,202 +13786,6 @@
 </p:sld>
 </file>
 
-<file path=ppt/slides/slide6.xml><?xml version="1.0" encoding="utf-8"?>
-<p:sld xmlns:a="http://schemas.openxmlformats.org/drawingml/2006/main" xmlns:r="http://schemas.openxmlformats.org/officeDocument/2006/relationships" xmlns:p="http://schemas.openxmlformats.org/presentationml/2006/main">
-  <p:cSld>
-    <p:spTree>
-      <p:nvGrpSpPr>
-        <p:cNvPr id="1" name=""/>
-        <p:cNvGrpSpPr/>
-        <p:nvPr/>
-      </p:nvGrpSpPr>
-      <p:grpSpPr>
-        <a:xfrm>
-          <a:off x="0" y="0"/>
-          <a:ext cx="0" cy="0"/>
-          <a:chOff x="0" y="0"/>
-          <a:chExt cx="0" cy="0"/>
-        </a:xfrm>
-      </p:grpSpPr>
-      <p:sp>
-        <p:nvSpPr>
-          <p:cNvPr id="2" name="Title 1"/>
-          <p:cNvSpPr>
-            <a:spLocks noGrp="1"/>
-          </p:cNvSpPr>
-          <p:nvPr>
-            <p:ph type="title"/>
-          </p:nvPr>
-        </p:nvSpPr>
-        <p:spPr/>
-        <p:txBody>
-          <a:bodyPr/>
-          <a:lstStyle/>
-          <a:p>
-            <a:r>
-              <a:rPr lang="en-US" dirty="0" smtClean="0"/>
-              <a:t>Create Signing </a:t>
-            </a:r>
-            <a:r>
-              <a:rPr lang="en-US" dirty="0"/>
-              <a:t>Certificate</a:t>
-            </a:r>
-            <a:endParaRPr lang="sv-SE" dirty="0"/>
-          </a:p>
-        </p:txBody>
-      </p:sp>
-      <p:sp>
-        <p:nvSpPr>
-          <p:cNvPr id="3" name="Content Placeholder 2"/>
-          <p:cNvSpPr>
-            <a:spLocks noGrp="1"/>
-          </p:cNvSpPr>
-          <p:nvPr>
-            <p:ph idx="1"/>
-          </p:nvPr>
-        </p:nvSpPr>
-        <p:spPr/>
-        <p:txBody>
-          <a:bodyPr>
-            <a:normAutofit/>
-          </a:bodyPr>
-          <a:lstStyle/>
-          <a:p>
-            <a:pPr marL="342900" lvl="1" indent="-342900">
-              <a:buFont typeface="Arial" pitchFamily="34" charset="0"/>
-              <a:buChar char="•"/>
-            </a:pPr>
-            <a:r>
-              <a:rPr lang="en-GB" dirty="0" smtClean="0"/>
-              <a:t>See </a:t>
-            </a:r>
-            <a:r>
-              <a:rPr lang="en-GB" dirty="0" smtClean="0">
-                <a:hlinkClick r:id="rId2"/>
-              </a:rPr>
-              <a:t>http</a:t>
-            </a:r>
-            <a:r>
-              <a:rPr lang="en-GB" dirty="0">
-                <a:hlinkClick r:id="rId2"/>
-              </a:rPr>
-              <a:t>://brockallen.com/2015/06/01/makecert-and-creating-ssl-or-signing-certificates</a:t>
-            </a:r>
-            <a:r>
-              <a:rPr lang="en-GB" dirty="0" smtClean="0">
-                <a:hlinkClick r:id="rId2"/>
-              </a:rPr>
-              <a:t>/</a:t>
-            </a:r>
-            <a:endParaRPr lang="en-GB" dirty="0" smtClean="0"/>
-          </a:p>
-          <a:p>
-            <a:pPr marL="342900" lvl="1" indent="-342900">
-              <a:buFont typeface="Arial" pitchFamily="34" charset="0"/>
-              <a:buChar char="•"/>
-            </a:pPr>
-            <a:r>
-              <a:rPr lang="en-GB" dirty="0"/>
-              <a:t>C:\Program Files (x86)\Windows Kits\8.1\bin\x64&gt;</a:t>
-            </a:r>
-            <a:r>
-              <a:rPr lang="en-GB" dirty="0" err="1"/>
-              <a:t>makecert</a:t>
-            </a:r>
-            <a:r>
-              <a:rPr lang="en-GB" dirty="0"/>
-              <a:t> -r -</a:t>
-            </a:r>
-            <a:r>
-              <a:rPr lang="en-GB" dirty="0" err="1"/>
-              <a:t>pe</a:t>
-            </a:r>
-            <a:r>
-              <a:rPr lang="en-GB" dirty="0"/>
-              <a:t> -n "CN=</a:t>
-            </a:r>
-            <a:r>
-              <a:rPr lang="en-GB" dirty="0" err="1"/>
-              <a:t>AuthorizationServer</a:t>
-            </a:r>
-            <a:r>
-              <a:rPr lang="en-GB" dirty="0"/>
-              <a:t>" -b 01/01/2015 -e 01/01/2020 -</a:t>
-            </a:r>
-            <a:r>
-              <a:rPr lang="en-GB" dirty="0" err="1"/>
-              <a:t>eku</a:t>
-            </a:r>
-            <a:r>
-              <a:rPr lang="en-GB" dirty="0"/>
-              <a:t> 1.3.6.1.5.5.7.3.3 -sky signature -a sha256 -</a:t>
-            </a:r>
-            <a:r>
-              <a:rPr lang="en-GB" dirty="0" err="1"/>
-              <a:t>len</a:t>
-            </a:r>
-            <a:r>
-              <a:rPr lang="en-GB" dirty="0"/>
-              <a:t> 2048 -</a:t>
-            </a:r>
-            <a:r>
-              <a:rPr lang="en-GB" dirty="0" err="1"/>
-              <a:t>ss</a:t>
-            </a:r>
-            <a:r>
-              <a:rPr lang="en-GB" dirty="0"/>
-              <a:t> my -</a:t>
-            </a:r>
-            <a:r>
-              <a:rPr lang="en-GB" dirty="0" err="1"/>
-              <a:t>sr</a:t>
-            </a:r>
-            <a:r>
-              <a:rPr lang="en-GB" dirty="0"/>
-              <a:t> </a:t>
-            </a:r>
-            <a:r>
-              <a:rPr lang="en-GB" dirty="0" err="1" smtClean="0"/>
-              <a:t>LocalMachine</a:t>
-            </a:r>
-            <a:endParaRPr lang="en-GB" dirty="0"/>
-          </a:p>
-          <a:p>
-            <a:pPr marL="342900" lvl="1" indent="-342900">
-              <a:buFont typeface="Arial" pitchFamily="34" charset="0"/>
-              <a:buChar char="•"/>
-            </a:pPr>
-            <a:endParaRPr lang="en-GB" dirty="0"/>
-          </a:p>
-          <a:p>
-            <a:pPr marL="0" indent="0">
-              <a:buNone/>
-            </a:pPr>
-            <a:endParaRPr lang="sv-SE" dirty="0"/>
-          </a:p>
-        </p:txBody>
-      </p:sp>
-    </p:spTree>
-    <p:extLst>
-      <p:ext uri="{BB962C8B-B14F-4D97-AF65-F5344CB8AC3E}">
-        <p14:creationId xmlns:p14="http://schemas.microsoft.com/office/powerpoint/2010/main" val="1177526682"/>
-      </p:ext>
-    </p:extLst>
-  </p:cSld>
-  <p:clrMapOvr>
-    <a:masterClrMapping/>
-  </p:clrMapOvr>
-  <p:transition/>
-  <p:timing>
-    <p:tnLst>
-      <p:par>
-        <p:cTn id="1" dur="indefinite" restart="never" nodeType="tmRoot"/>
-      </p:par>
-    </p:tnLst>
-  </p:timing>
-</p:sld>
-</file>
-
 <file path=ppt/slides/slide7.xml><?xml version="1.0" encoding="utf-8"?>
 <p:sld xmlns:a="http://schemas.openxmlformats.org/drawingml/2006/main" xmlns:r="http://schemas.openxmlformats.org/officeDocument/2006/relationships" xmlns:p="http://schemas.openxmlformats.org/presentationml/2006/main">
   <p:cSld>
@@ -13781,8 +13819,12 @@
           <a:lstStyle/>
           <a:p>
             <a:r>
+              <a:rPr lang="en-US" dirty="0" smtClean="0"/>
+              <a:t>Create Signing </a:t>
+            </a:r>
+            <a:r>
               <a:rPr lang="en-US" dirty="0"/>
-              <a:t>Install Signing Certificate</a:t>
+              <a:t>Certificate</a:t>
             </a:r>
             <a:endParaRPr lang="sv-SE" dirty="0"/>
           </a:p>
@@ -13800,7 +13842,9 @@
         </p:nvSpPr>
         <p:spPr/>
         <p:txBody>
-          <a:bodyPr/>
+          <a:bodyPr>
+            <a:normAutofit/>
+          </a:bodyPr>
           <a:lstStyle/>
           <a:p>
             <a:pPr marL="342900" lvl="1" indent="-342900">
@@ -13808,9 +13852,28 @@
               <a:buChar char="•"/>
             </a:pPr>
             <a:r>
-              <a:rPr lang="en-GB" dirty="0"/>
-              <a:t>Open MMC and add it to Trusted People in order to make it valid.</a:t>
-            </a:r>
+              <a:rPr lang="en-GB" dirty="0" smtClean="0"/>
+              <a:t>See </a:t>
+            </a:r>
+            <a:r>
+              <a:rPr lang="en-GB" dirty="0" smtClean="0">
+                <a:hlinkClick r:id="rId2"/>
+              </a:rPr>
+              <a:t>http</a:t>
+            </a:r>
+            <a:r>
+              <a:rPr lang="en-GB" dirty="0">
+                <a:hlinkClick r:id="rId2"/>
+              </a:rPr>
+              <a:t>://brockallen.com/2015/06/01/makecert-and-creating-ssl-or-signing-certificates</a:t>
+            </a:r>
+            <a:r>
+              <a:rPr lang="en-GB" dirty="0" smtClean="0">
+                <a:hlinkClick r:id="rId2"/>
+              </a:rPr>
+              <a:t>/</a:t>
+            </a:r>
+            <a:endParaRPr lang="en-GB" dirty="0" smtClean="0"/>
           </a:p>
           <a:p>
             <a:pPr marL="342900" lvl="1" indent="-342900">
@@ -13819,38 +13882,81 @@
             </a:pPr>
             <a:r>
               <a:rPr lang="en-GB" dirty="0"/>
-              <a:t>Right click on the cert and give e g “IIS </a:t>
+              <a:t>C:\Program Files (x86)\Windows Kits\8.1\bin\x64&gt;</a:t>
             </a:r>
             <a:r>
               <a:rPr lang="en-GB" dirty="0" err="1"/>
-              <a:t>AppPoolIdentity</a:t>
+              <a:t>makecert</a:t>
             </a:r>
             <a:r>
               <a:rPr lang="en-GB" dirty="0"/>
-              <a:t>\</a:t>
+              <a:t> -r -</a:t>
             </a:r>
             <a:r>
               <a:rPr lang="en-GB" dirty="0" err="1"/>
-              <a:t>AuthorizationServerAppPool</a:t>
+              <a:t>pe</a:t>
             </a:r>
             <a:r>
               <a:rPr lang="en-GB" dirty="0"/>
-              <a:t>” read access to the private </a:t>
-            </a:r>
-            <a:r>
-              <a:rPr lang="en-GB" dirty="0" smtClean="0"/>
-              <a:t>key</a:t>
-            </a:r>
+              <a:t> -n "CN=</a:t>
+            </a:r>
+            <a:r>
+              <a:rPr lang="en-GB" dirty="0" err="1"/>
+              <a:t>AuthorizationServer</a:t>
+            </a:r>
+            <a:r>
+              <a:rPr lang="en-GB" dirty="0"/>
+              <a:t>" -b 01/01/2015 -e 01/01/2020 -</a:t>
+            </a:r>
+            <a:r>
+              <a:rPr lang="en-GB" dirty="0" err="1"/>
+              <a:t>eku</a:t>
+            </a:r>
+            <a:r>
+              <a:rPr lang="en-GB" dirty="0"/>
+              <a:t> 1.3.6.1.5.5.7.3.3 -sky signature -a sha256 -</a:t>
+            </a:r>
+            <a:r>
+              <a:rPr lang="en-GB" dirty="0" err="1"/>
+              <a:t>len</a:t>
+            </a:r>
+            <a:r>
+              <a:rPr lang="en-GB" dirty="0"/>
+              <a:t> 2048 -</a:t>
+            </a:r>
+            <a:r>
+              <a:rPr lang="en-GB" dirty="0" err="1"/>
+              <a:t>ss</a:t>
+            </a:r>
+            <a:r>
+              <a:rPr lang="en-GB" dirty="0"/>
+              <a:t> my -</a:t>
+            </a:r>
+            <a:r>
+              <a:rPr lang="en-GB" dirty="0" err="1"/>
+              <a:t>sr</a:t>
+            </a:r>
+            <a:r>
+              <a:rPr lang="en-GB" dirty="0"/>
+              <a:t> </a:t>
+            </a:r>
+            <a:r>
+              <a:rPr lang="en-GB" dirty="0" err="1" smtClean="0"/>
+              <a:t>LocalMachine</a:t>
+            </a:r>
+            <a:endParaRPr lang="en-GB" dirty="0"/>
           </a:p>
           <a:p>
             <a:pPr marL="342900" lvl="1" indent="-342900">
               <a:buFont typeface="Arial" pitchFamily="34" charset="0"/>
               <a:buChar char="•"/>
             </a:pPr>
-            <a:r>
-              <a:rPr lang="en-GB" dirty="0" smtClean="0"/>
-              <a:t>Export the Public Key, and install that in the Resource Server.</a:t>
-            </a:r>
+            <a:endParaRPr lang="en-GB" dirty="0"/>
+          </a:p>
+          <a:p>
+            <a:pPr marL="0" indent="0">
+              <a:buNone/>
+            </a:pPr>
             <a:endParaRPr lang="sv-SE" dirty="0"/>
           </a:p>
         </p:txBody>
@@ -13858,7 +13964,7 @@
     </p:spTree>
     <p:extLst>
       <p:ext uri="{BB962C8B-B14F-4D97-AF65-F5344CB8AC3E}">
-        <p14:creationId xmlns:p14="http://schemas.microsoft.com/office/powerpoint/2010/main" val="1281486095"/>
+        <p14:creationId xmlns:p14="http://schemas.microsoft.com/office/powerpoint/2010/main" val="1177526682"/>
       </p:ext>
     </p:extLst>
   </p:cSld>
@@ -13905,14 +14011,12 @@
         </p:nvSpPr>
         <p:spPr/>
         <p:txBody>
-          <a:bodyPr>
-            <a:normAutofit/>
-          </a:bodyPr>
-          <a:lstStyle/>
-          <a:p>
-            <a:r>
-              <a:rPr lang="en-US" dirty="0" smtClean="0"/>
-              <a:t>Set up trust</a:t>
+          <a:bodyPr/>
+          <a:lstStyle/>
+          <a:p>
+            <a:r>
+              <a:rPr lang="en-US" dirty="0"/>
+              <a:t>Install Signing Certificate</a:t>
             </a:r>
             <a:endParaRPr lang="sv-SE" dirty="0"/>
           </a:p>
@@ -13938,14 +14042,9 @@
               <a:buChar char="•"/>
             </a:pPr>
             <a:r>
-              <a:rPr lang="en-US" smtClean="0"/>
-              <a:t>Install-Package </a:t>
-            </a:r>
-            <a:r>
-              <a:rPr lang="en-US" dirty="0" err="1" smtClean="0"/>
-              <a:t>Microsoft.Owin.Security.Jwt</a:t>
-            </a:r>
-            <a:endParaRPr lang="en-US" dirty="0" smtClean="0"/>
+              <a:rPr lang="en-GB" dirty="0"/>
+              <a:t>Open MMC and add it to Trusted People in order to make it valid.</a:t>
+            </a:r>
           </a:p>
           <a:p>
             <a:pPr marL="342900" lvl="1" indent="-342900">
@@ -13953,22 +14052,29 @@
               <a:buChar char="•"/>
             </a:pPr>
             <a:r>
+              <a:rPr lang="en-GB" dirty="0"/>
+              <a:t>Right click on the cert and give e g “IIS </a:t>
+            </a:r>
+            <a:r>
+              <a:rPr lang="en-GB" dirty="0" err="1"/>
+              <a:t>AppPoolIdentity</a:t>
+            </a:r>
+            <a:r>
+              <a:rPr lang="en-GB" dirty="0"/>
+              <a:t>\</a:t>
+            </a:r>
+            <a:r>
+              <a:rPr lang="en-GB" dirty="0" err="1"/>
+              <a:t>AuthorizationServerAppPool</a:t>
+            </a:r>
+            <a:r>
+              <a:rPr lang="en-GB" dirty="0"/>
+              <a:t>” read access to the private </a:t>
+            </a:r>
+            <a:r>
               <a:rPr lang="en-GB" dirty="0" smtClean="0"/>
-              <a:t>Add </a:t>
-            </a:r>
-            <a:r>
-              <a:rPr lang="en-GB" dirty="0" err="1" smtClean="0"/>
-              <a:t>app.UseJwtBearerAuthentication</a:t>
-            </a:r>
-            <a:r>
-              <a:rPr lang="en-GB" dirty="0" smtClean="0"/>
-              <a:t>() in </a:t>
-            </a:r>
-            <a:r>
-              <a:rPr lang="en-GB" dirty="0" err="1" smtClean="0"/>
-              <a:t>Startup.cs</a:t>
-            </a:r>
-            <a:endParaRPr lang="en-GB" dirty="0" smtClean="0"/>
+              <a:t>key</a:t>
+            </a:r>
           </a:p>
           <a:p>
             <a:pPr marL="342900" lvl="1" indent="-342900">
@@ -13977,15 +14083,7 @@
             </a:pPr>
             <a:r>
               <a:rPr lang="en-GB" dirty="0" smtClean="0"/>
-              <a:t>Make sure that correct issuer, audience and signing certificate identifier is set in </a:t>
-            </a:r>
-            <a:r>
-              <a:rPr lang="en-GB" dirty="0" err="1" smtClean="0"/>
-              <a:t>web.config</a:t>
-            </a:r>
-            <a:r>
-              <a:rPr lang="en-GB" dirty="0" smtClean="0"/>
-              <a:t> for the Resource Server.</a:t>
+              <a:t>Export the Public Key, and install that in the Resource Server.</a:t>
             </a:r>
             <a:endParaRPr lang="sv-SE" dirty="0"/>
           </a:p>
@@ -13994,7 +14092,7 @@
     </p:spTree>
     <p:extLst>
       <p:ext uri="{BB962C8B-B14F-4D97-AF65-F5344CB8AC3E}">
-        <p14:creationId xmlns:p14="http://schemas.microsoft.com/office/powerpoint/2010/main" val="2482077736"/>
+        <p14:creationId xmlns:p14="http://schemas.microsoft.com/office/powerpoint/2010/main" val="1281486095"/>
       </p:ext>
     </p:extLst>
   </p:cSld>
@@ -14041,12 +14139,14 @@
         </p:nvSpPr>
         <p:spPr/>
         <p:txBody>
-          <a:bodyPr/>
+          <a:bodyPr>
+            <a:normAutofit/>
+          </a:bodyPr>
           <a:lstStyle/>
           <a:p>
             <a:r>
               <a:rPr lang="en-US" dirty="0" smtClean="0"/>
-              <a:t>Get Access Token</a:t>
+              <a:t>Set up trust</a:t>
             </a:r>
             <a:endParaRPr lang="sv-SE" dirty="0"/>
           </a:p>
@@ -14072,13 +14172,14 @@
               <a:buChar char="•"/>
             </a:pPr>
             <a:r>
-              <a:rPr lang="en-US" dirty="0"/>
-              <a:t>Postman POST /token</a:t>
-            </a:r>
-            <a:r>
-              <a:rPr lang="en-US" dirty="0" smtClean="0"/>
-              <a:t>, (jwt.io??) </a:t>
-            </a:r>
+              <a:rPr lang="en-US" smtClean="0"/>
+              <a:t>Install-Package </a:t>
+            </a:r>
+            <a:r>
+              <a:rPr lang="en-US" dirty="0" err="1" smtClean="0"/>
+              <a:t>Microsoft.Owin.Security.Jwt</a:t>
+            </a:r>
+            <a:endParaRPr lang="en-US" dirty="0" smtClean="0"/>
           </a:p>
           <a:p>
             <a:pPr marL="342900" lvl="1" indent="-342900">
@@ -14086,9 +14187,22 @@
               <a:buChar char="•"/>
             </a:pPr>
             <a:r>
-              <a:rPr lang="en-US" dirty="0" smtClean="0"/>
-              <a:t>Bearer header</a:t>
-            </a:r>
+              <a:rPr lang="en-GB" dirty="0" smtClean="0"/>
+              <a:t>Add </a:t>
+            </a:r>
+            <a:r>
+              <a:rPr lang="en-GB" dirty="0" err="1" smtClean="0"/>
+              <a:t>app.UseJwtBearerAuthentication</a:t>
+            </a:r>
+            <a:r>
+              <a:rPr lang="en-GB" dirty="0" smtClean="0"/>
+              <a:t>() in </a:t>
+            </a:r>
+            <a:r>
+              <a:rPr lang="en-GB" dirty="0" err="1" smtClean="0"/>
+              <a:t>Startup.cs</a:t>
+            </a:r>
+            <a:endParaRPr lang="en-GB" dirty="0" smtClean="0"/>
           </a:p>
           <a:p>
             <a:pPr marL="342900" lvl="1" indent="-342900">
@@ -14096,16 +14210,16 @@
               <a:buChar char="•"/>
             </a:pPr>
             <a:r>
-              <a:rPr lang="en-US" dirty="0" smtClean="0"/>
-              <a:t>GET /values, </a:t>
-            </a:r>
-            <a:r>
-              <a:rPr lang="en-US" dirty="0"/>
-              <a:t>200 </a:t>
-            </a:r>
-            <a:r>
-              <a:rPr lang="en-US" dirty="0" smtClean="0"/>
-              <a:t>OK</a:t>
+              <a:rPr lang="en-GB" dirty="0" smtClean="0"/>
+              <a:t>Make sure that correct issuer, audience and signing certificate identifier is set in </a:t>
+            </a:r>
+            <a:r>
+              <a:rPr lang="en-GB" dirty="0" err="1" smtClean="0"/>
+              <a:t>web.config</a:t>
+            </a:r>
+            <a:r>
+              <a:rPr lang="en-GB" dirty="0" smtClean="0"/>
+              <a:t> for the Resource Server.</a:t>
             </a:r>
             <a:endParaRPr lang="sv-SE" dirty="0"/>
           </a:p>
@@ -14114,7 +14228,7 @@
     </p:spTree>
     <p:extLst>
       <p:ext uri="{BB962C8B-B14F-4D97-AF65-F5344CB8AC3E}">
-        <p14:creationId xmlns:p14="http://schemas.microsoft.com/office/powerpoint/2010/main" val="3193348686"/>
+        <p14:creationId xmlns:p14="http://schemas.microsoft.com/office/powerpoint/2010/main" val="2482077736"/>
       </p:ext>
     </p:extLst>
   </p:cSld>
@@ -15316,9 +15430,12 @@
 </file>
 
 <file path=customXml/item1.xml><?xml version="1.0" encoding="utf-8"?>
-<p:properties xmlns:p="http://schemas.microsoft.com/office/2006/metadata/properties" xmlns:xsi="http://www.w3.org/2001/XMLSchema-instance" xmlns:pc="http://schemas.microsoft.com/office/infopath/2007/PartnerControls">
-  <documentManagement/>
-</p:properties>
+<?mso-contentType ?>
+<FormTemplates xmlns="http://schemas.microsoft.com/sharepoint/v3/contenttype/forms">
+  <Display>DocumentLibraryForm</Display>
+  <Edit>DocumentLibraryForm</Edit>
+  <New>DocumentLibraryForm</New>
+</FormTemplates>
 </file>
 
 <file path=customXml/item2.xml><?xml version="1.0" encoding="utf-8"?>
@@ -15436,25 +15553,15 @@
 </file>
 
 <file path=customXml/item3.xml><?xml version="1.0" encoding="utf-8"?>
-<?mso-contentType ?>
-<FormTemplates xmlns="http://schemas.microsoft.com/sharepoint/v3/contenttype/forms">
-  <Display>DocumentLibraryForm</Display>
-  <Edit>DocumentLibraryForm</Edit>
-  <New>DocumentLibraryForm</New>
-</FormTemplates>
+<p:properties xmlns:p="http://schemas.microsoft.com/office/2006/metadata/properties" xmlns:xsi="http://www.w3.org/2001/XMLSchema-instance" xmlns:pc="http://schemas.microsoft.com/office/infopath/2007/PartnerControls">
+  <documentManagement/>
+</p:properties>
 </file>
 
 <file path=customXml/itemProps1.xml><?xml version="1.0" encoding="utf-8"?>
-<ds:datastoreItem xmlns:ds="http://schemas.openxmlformats.org/officeDocument/2006/customXml" ds:itemID="{5473499C-656C-4884-8604-9BC9EA43E3E3}">
+<ds:datastoreItem xmlns:ds="http://schemas.openxmlformats.org/officeDocument/2006/customXml" ds:itemID="{3788D272-A682-4E8B-AB6A-AF163D790A93}">
   <ds:schemaRefs>
-    <ds:schemaRef ds:uri="http://purl.org/dc/dcmitype/"/>
-    <ds:schemaRef ds:uri="http://schemas.openxmlformats.org/package/2006/metadata/core-properties"/>
-    <ds:schemaRef ds:uri="http://www.w3.org/XML/1998/namespace"/>
-    <ds:schemaRef ds:uri="http://purl.org/dc/elements/1.1/"/>
-    <ds:schemaRef ds:uri="http://purl.org/dc/terms/"/>
-    <ds:schemaRef ds:uri="http://schemas.microsoft.com/office/2006/documentManagement/types"/>
-    <ds:schemaRef ds:uri="http://schemas.microsoft.com/office/2006/metadata/properties"/>
-    <ds:schemaRef ds:uri="http://schemas.microsoft.com/office/infopath/2007/PartnerControls"/>
+    <ds:schemaRef ds:uri="http://schemas.microsoft.com/sharepoint/v3/contenttype/forms"/>
   </ds:schemaRefs>
 </ds:datastoreItem>
 </file>
@@ -15476,9 +15583,16 @@
 </file>
 
 <file path=customXml/itemProps3.xml><?xml version="1.0" encoding="utf-8"?>
-<ds:datastoreItem xmlns:ds="http://schemas.openxmlformats.org/officeDocument/2006/customXml" ds:itemID="{3788D272-A682-4E8B-AB6A-AF163D790A93}">
+<ds:datastoreItem xmlns:ds="http://schemas.openxmlformats.org/officeDocument/2006/customXml" ds:itemID="{5473499C-656C-4884-8604-9BC9EA43E3E3}">
   <ds:schemaRefs>
-    <ds:schemaRef ds:uri="http://schemas.microsoft.com/sharepoint/v3/contenttype/forms"/>
+    <ds:schemaRef ds:uri="http://purl.org/dc/terms/"/>
+    <ds:schemaRef ds:uri="http://schemas.microsoft.com/office/2006/metadata/properties"/>
+    <ds:schemaRef ds:uri="http://schemas.microsoft.com/office/2006/documentManagement/types"/>
+    <ds:schemaRef ds:uri="http://schemas.openxmlformats.org/package/2006/metadata/core-properties"/>
+    <ds:schemaRef ds:uri="http://purl.org/dc/elements/1.1/"/>
+    <ds:schemaRef ds:uri="http://schemas.microsoft.com/office/infopath/2007/PartnerControls"/>
+    <ds:schemaRef ds:uri="http://www.w3.org/XML/1998/namespace"/>
+    <ds:schemaRef ds:uri="http://purl.org/dc/dcmitype/"/>
   </ds:schemaRefs>
 </ds:datastoreItem>
 </file>
--- a/Security.pptx
+++ b/Security.pptx
@@ -11,6 +11,7 @@
     <p:sldId id="259" r:id="rId5"/>
     <p:sldId id="260" r:id="rId6"/>
     <p:sldId id="261" r:id="rId7"/>
+    <p:sldId id="262" r:id="rId8"/>
   </p:sldIdLst>
   <p:sldSz cx="12192000" cy="6858000"/>
   <p:notesSz cx="6858000" cy="9144000"/>
@@ -3494,7 +3495,7 @@
           <a:p>
             <a:r>
               <a:rPr lang="en-US" dirty="0" smtClean="0"/>
-              <a:t>DEMO – Add authorization!</a:t>
+              <a:t>DEMO – Add authorization to the Resource Server</a:t>
             </a:r>
             <a:endParaRPr lang="en-US" dirty="0"/>
           </a:p>
@@ -3521,6 +3522,14 @@
             <a:endParaRPr lang="en-US" dirty="0" smtClean="0"/>
           </a:p>
           <a:p>
+            <a:r>
+              <a:rPr lang="en-US" dirty="0" smtClean="0"/>
+              <a:t>Add th</a:t>
+            </a:r>
+            <a:r>
+              <a:rPr lang="en-US" dirty="0" smtClean="0"/>
+              <a:t>e Authorize-attribute</a:t>
+            </a:r>
             <a:endParaRPr lang="en-US" dirty="0" smtClean="0"/>
           </a:p>
         </p:txBody>
@@ -3529,6 +3538,190 @@
     <p:extLst>
       <p:ext uri="{BB962C8B-B14F-4D97-AF65-F5344CB8AC3E}">
         <p14:creationId xmlns:p14="http://schemas.microsoft.com/office/powerpoint/2010/main" val="3812590754"/>
+      </p:ext>
+    </p:extLst>
+  </p:cSld>
+  <p:clrMapOvr>
+    <a:masterClrMapping/>
+  </p:clrMapOvr>
+</p:sld>
+</file>
+
+<file path=ppt/slides/slide7.xml><?xml version="1.0" encoding="utf-8"?>
+<p:sld xmlns:a="http://schemas.openxmlformats.org/drawingml/2006/main" xmlns:r="http://schemas.openxmlformats.org/officeDocument/2006/relationships" xmlns:p="http://schemas.openxmlformats.org/presentationml/2006/main">
+  <p:cSld>
+    <p:spTree>
+      <p:nvGrpSpPr>
+        <p:cNvPr id="1" name=""/>
+        <p:cNvGrpSpPr/>
+        <p:nvPr/>
+      </p:nvGrpSpPr>
+      <p:grpSpPr>
+        <a:xfrm>
+          <a:off x="0" y="0"/>
+          <a:ext cx="0" cy="0"/>
+          <a:chOff x="0" y="0"/>
+          <a:chExt cx="0" cy="0"/>
+        </a:xfrm>
+      </p:grpSpPr>
+      <p:sp>
+        <p:nvSpPr>
+          <p:cNvPr id="2" name="Title 1"/>
+          <p:cNvSpPr>
+            <a:spLocks noGrp="1"/>
+          </p:cNvSpPr>
+          <p:nvPr>
+            <p:ph type="title"/>
+          </p:nvPr>
+        </p:nvSpPr>
+        <p:spPr/>
+        <p:txBody>
+          <a:bodyPr/>
+          <a:lstStyle/>
+          <a:p>
+            <a:r>
+              <a:rPr lang="en-US" dirty="0" smtClean="0"/>
+              <a:t>DEMO </a:t>
+            </a:r>
+            <a:r>
+              <a:rPr lang="en-US" dirty="0"/>
+              <a:t>– Set up trust on the Resource server</a:t>
+            </a:r>
+            <a:endParaRPr lang="en-US" dirty="0"/>
+          </a:p>
+        </p:txBody>
+      </p:sp>
+      <p:sp>
+        <p:nvSpPr>
+          <p:cNvPr id="3" name="Content Placeholder 2"/>
+          <p:cNvSpPr>
+            <a:spLocks noGrp="1"/>
+          </p:cNvSpPr>
+          <p:nvPr>
+            <p:ph idx="1"/>
+          </p:nvPr>
+        </p:nvSpPr>
+        <p:spPr/>
+        <p:txBody>
+          <a:bodyPr/>
+          <a:lstStyle/>
+          <a:p>
+            <a:pPr marL="342900" lvl="1" indent="-342900"/>
+            <a:r>
+              <a:rPr lang="en-GB" smtClean="0"/>
+              <a:t>Import </a:t>
+            </a:r>
+            <a:r>
+              <a:rPr lang="en-GB" dirty="0"/>
+              <a:t>the signing </a:t>
+            </a:r>
+            <a:r>
+              <a:rPr lang="en-GB" dirty="0" smtClean="0"/>
+              <a:t>certificate to the </a:t>
+            </a:r>
+            <a:r>
+              <a:rPr lang="en-GB" dirty="0" err="1" smtClean="0"/>
+              <a:t>CurrentUser</a:t>
+            </a:r>
+            <a:r>
+              <a:rPr lang="en-GB" dirty="0" smtClean="0"/>
+              <a:t>-</a:t>
+            </a:r>
+            <a:r>
+              <a:rPr lang="en-GB" dirty="0"/>
+              <a:t>&gt;</a:t>
+            </a:r>
+            <a:r>
+              <a:rPr lang="en-GB" dirty="0" smtClean="0"/>
+              <a:t>Personal store (and </a:t>
+            </a:r>
+            <a:r>
+              <a:rPr lang="en-GB" dirty="0"/>
+              <a:t>since self-signed </a:t>
+            </a:r>
+            <a:r>
+              <a:rPr lang="en-GB" dirty="0" smtClean="0"/>
+              <a:t>also copy it to </a:t>
+            </a:r>
+            <a:r>
+              <a:rPr lang="en-GB" dirty="0" err="1"/>
+              <a:t>LocalComputer</a:t>
+            </a:r>
+            <a:r>
+              <a:rPr lang="en-GB" dirty="0"/>
+              <a:t>-&gt;</a:t>
+            </a:r>
+            <a:r>
+              <a:rPr lang="en-GB" dirty="0" err="1"/>
+              <a:t>TrustedPeople</a:t>
+            </a:r>
+            <a:r>
+              <a:rPr lang="en-GB" dirty="0" smtClean="0"/>
+              <a:t>).</a:t>
+            </a:r>
+            <a:endParaRPr lang="en-US" dirty="0"/>
+          </a:p>
+          <a:p>
+            <a:pPr marL="342900" lvl="1" indent="-342900"/>
+            <a:r>
+              <a:rPr lang="en-GB" dirty="0"/>
+              <a:t>Make sure that correct issuer, audience and signing certificate identifier is set in </a:t>
+            </a:r>
+            <a:r>
+              <a:rPr lang="en-GB" dirty="0" err="1" smtClean="0"/>
+              <a:t>web.config</a:t>
+            </a:r>
+            <a:r>
+              <a:rPr lang="en-GB" dirty="0" smtClean="0"/>
+              <a:t>.</a:t>
+            </a:r>
+            <a:endParaRPr lang="en-GB" dirty="0"/>
+          </a:p>
+          <a:p>
+            <a:pPr marL="342900" lvl="1" indent="-342900"/>
+            <a:r>
+              <a:rPr lang="en-US" dirty="0"/>
+              <a:t>Install-Package </a:t>
+            </a:r>
+            <a:r>
+              <a:rPr lang="en-US" dirty="0" err="1" smtClean="0"/>
+              <a:t>Microsoft.Owin.Security.Jwt</a:t>
+            </a:r>
+            <a:r>
+              <a:rPr lang="en-US" dirty="0" smtClean="0"/>
+              <a:t> and a</a:t>
+            </a:r>
+            <a:r>
+              <a:rPr lang="en-GB" dirty="0" err="1" smtClean="0"/>
+              <a:t>dd</a:t>
+            </a:r>
+            <a:r>
+              <a:rPr lang="en-GB" dirty="0" smtClean="0"/>
+              <a:t> </a:t>
+            </a:r>
+            <a:r>
+              <a:rPr lang="en-GB" dirty="0" err="1"/>
+              <a:t>app.UseJwtBearerAuthentication</a:t>
+            </a:r>
+            <a:r>
+              <a:rPr lang="en-GB" dirty="0"/>
+              <a:t>() in </a:t>
+            </a:r>
+            <a:r>
+              <a:rPr lang="en-GB" dirty="0" err="1"/>
+              <a:t>Startup.cs</a:t>
+            </a:r>
+            <a:endParaRPr lang="en-GB" dirty="0"/>
+          </a:p>
+          <a:p>
+            <a:endParaRPr lang="en-US" dirty="0" smtClean="0"/>
+          </a:p>
+        </p:txBody>
+      </p:sp>
+    </p:spTree>
+    <p:extLst>
+      <p:ext uri="{BB962C8B-B14F-4D97-AF65-F5344CB8AC3E}">
+        <p14:creationId xmlns:p14="http://schemas.microsoft.com/office/powerpoint/2010/main" val="2133711853"/>
       </p:ext>
     </p:extLst>
   </p:cSld>
